--- a/PracticeTasks/Module2/Task_9/Task 9. Domain decomposition.pptx
+++ b/PracticeTasks/Module2/Task_9/Task 9. Domain decomposition.pptx
@@ -6739,7 +6739,7 @@
 </file>
 
 <file path=ppt/slides/slide10.xml><?xml version="1.0" encoding="utf-8"?>
-<p:sld xmlns:a="http://schemas.openxmlformats.org/drawingml/2006/main" xmlns:r="http://schemas.openxmlformats.org/officeDocument/2006/relationships" xmlns:p="http://schemas.openxmlformats.org/presentationml/2006/main" show="0">
+<p:sld xmlns:a="http://schemas.openxmlformats.org/drawingml/2006/main" xmlns:r="http://schemas.openxmlformats.org/officeDocument/2006/relationships" xmlns:p="http://schemas.openxmlformats.org/presentationml/2006/main">
   <p:cSld>
     <p:spTree>
       <p:nvGrpSpPr>
@@ -6936,7 +6936,7 @@
 </file>
 
 <file path=ppt/slides/slide11.xml><?xml version="1.0" encoding="utf-8"?>
-<p:sld xmlns:a="http://schemas.openxmlformats.org/drawingml/2006/main" xmlns:r="http://schemas.openxmlformats.org/officeDocument/2006/relationships" xmlns:p="http://schemas.openxmlformats.org/presentationml/2006/main" show="0">
+<p:sld xmlns:a="http://schemas.openxmlformats.org/drawingml/2006/main" xmlns:r="http://schemas.openxmlformats.org/officeDocument/2006/relationships" xmlns:p="http://schemas.openxmlformats.org/presentationml/2006/main">
   <p:cSld>
     <p:spTree>
       <p:nvGrpSpPr>
@@ -7490,7 +7490,7 @@
                   <a:schemeClr val="dk1"/>
                 </a:solidFill>
               </a:rPr>
-              <a:t>Task9/task9.pptx</a:t>
+              <a:t>Task9/</a:t>
             </a:r>
             <a:endParaRPr sz="1400" u="sng" dirty="0">
               <a:solidFill>
@@ -7721,22 +7721,14 @@
           <p:nvPr/>
         </p:nvPicPr>
         <p:blipFill>
-          <a:blip r:embed="rId3">
-            <a:extLst>
-              <a:ext uri="{28A0092B-C50C-407E-A947-70E740481C1C}">
-                <a14:useLocalDpi xmlns:a14="http://schemas.microsoft.com/office/drawing/2010/main" val="0"/>
-              </a:ext>
-            </a:extLst>
-          </a:blip>
+          <a:blip r:embed="rId3"/>
           <a:srcRect/>
-          <a:stretch>
-            <a:fillRect/>
-          </a:stretch>
+          <a:stretch/>
         </p:blipFill>
         <p:spPr bwMode="auto">
           <a:xfrm>
-            <a:off x="228600" y="1026707"/>
-            <a:ext cx="8290112" cy="2963428"/>
+            <a:off x="228600" y="1402503"/>
+            <a:ext cx="8628664" cy="2302162"/>
           </a:xfrm>
           <a:prstGeom prst="rect">
             <a:avLst/>
@@ -7825,7 +7817,7 @@
                   </a:outerShdw>
                 </a:effectLst>
               </a:rPr>
-              <a:t>Final class diagram</a:t>
+              <a:t>Final class diagram (monolith)</a:t>
             </a:r>
             <a:endParaRPr b="1" dirty="0">
               <a:solidFill>
@@ -8679,7 +8671,7 @@
 </file>
 
 <file path=ppt/slides/slide9.xml><?xml version="1.0" encoding="utf-8"?>
-<p:sld xmlns:a="http://schemas.openxmlformats.org/drawingml/2006/main" xmlns:r="http://schemas.openxmlformats.org/officeDocument/2006/relationships" xmlns:p="http://schemas.openxmlformats.org/presentationml/2006/main" show="0">
+<p:sld xmlns:a="http://schemas.openxmlformats.org/drawingml/2006/main" xmlns:r="http://schemas.openxmlformats.org/officeDocument/2006/relationships" xmlns:p="http://schemas.openxmlformats.org/presentationml/2006/main">
   <p:cSld>
     <p:spTree>
       <p:nvGrpSpPr>

--- a/PracticeTasks/Module2/Task_9/Task 9. Domain decomposition.pptx
+++ b/PracticeTasks/Module2/Task_9/Task 9. Domain decomposition.pptx
@@ -7552,7 +7552,7 @@
 </file>
 
 <file path=ppt/slides/slide3.xml><?xml version="1.0" encoding="utf-8"?>
-<p:sld xmlns:a="http://schemas.openxmlformats.org/drawingml/2006/main" xmlns:r="http://schemas.openxmlformats.org/officeDocument/2006/relationships" xmlns:p="http://schemas.openxmlformats.org/presentationml/2006/main" show="0">
+<p:sld xmlns:a="http://schemas.openxmlformats.org/drawingml/2006/main" xmlns:r="http://schemas.openxmlformats.org/officeDocument/2006/relationships" xmlns:p="http://schemas.openxmlformats.org/presentationml/2006/main">
   <p:cSld>
     <p:spTree>
       <p:nvGrpSpPr>

--- a/PracticeTasks/Module2/Task_9/Task 9. Domain decomposition.pptx
+++ b/PracticeTasks/Module2/Task_9/Task 9. Domain decomposition.pptx
@@ -5,20 +5,18 @@
     <p:sldMasterId id="2147483659" r:id="rId1"/>
   </p:sldMasterIdLst>
   <p:notesMasterIdLst>
-    <p:notesMasterId r:id="rId13"/>
+    <p:notesMasterId r:id="rId11"/>
   </p:notesMasterIdLst>
   <p:sldIdLst>
     <p:sldId id="256" r:id="rId2"/>
     <p:sldId id="267" r:id="rId3"/>
     <p:sldId id="268" r:id="rId4"/>
     <p:sldId id="262" r:id="rId5"/>
-    <p:sldId id="269" r:id="rId6"/>
-    <p:sldId id="270" r:id="rId7"/>
-    <p:sldId id="271" r:id="rId8"/>
-    <p:sldId id="272" r:id="rId9"/>
-    <p:sldId id="259" r:id="rId10"/>
-    <p:sldId id="260" r:id="rId11"/>
-    <p:sldId id="261" r:id="rId12"/>
+    <p:sldId id="259" r:id="rId6"/>
+    <p:sldId id="269" r:id="rId7"/>
+    <p:sldId id="270" r:id="rId8"/>
+    <p:sldId id="271" r:id="rId9"/>
+    <p:sldId id="272" r:id="rId10"/>
   </p:sldIdLst>
   <p:sldSz cx="9144000" cy="5143500" type="screen16x9"/>
   <p:notesSz cx="6858000" cy="9144000"/>
@@ -815,214 +813,6 @@
 </p:notes>
 </file>
 
-<file path=ppt/notesSlides/notesSlide10.xml><?xml version="1.0" encoding="utf-8"?>
-<p:notes xmlns:a="http://schemas.openxmlformats.org/drawingml/2006/main" xmlns:r="http://schemas.openxmlformats.org/officeDocument/2006/relationships" xmlns:p="http://schemas.openxmlformats.org/presentationml/2006/main" showMasterSp="0" showMasterPhAnim="0">
-  <p:cSld>
-    <p:spTree>
-      <p:nvGrpSpPr>
-        <p:cNvPr id="1" name="Shape 76"/>
-        <p:cNvGrpSpPr/>
-        <p:nvPr/>
-      </p:nvGrpSpPr>
-      <p:grpSpPr>
-        <a:xfrm>
-          <a:off x="0" y="0"/>
-          <a:ext cx="0" cy="0"/>
-          <a:chOff x="0" y="0"/>
-          <a:chExt cx="0" cy="0"/>
-        </a:xfrm>
-      </p:grpSpPr>
-      <p:sp>
-        <p:nvSpPr>
-          <p:cNvPr id="77" name="Google Shape;77;gedd9ff9bd3_0_10:notes"/>
-          <p:cNvSpPr>
-            <a:spLocks noGrp="1" noRot="1" noChangeAspect="1"/>
-          </p:cNvSpPr>
-          <p:nvPr>
-            <p:ph type="sldImg" idx="2"/>
-          </p:nvPr>
-        </p:nvSpPr>
-        <p:spPr>
-          <a:xfrm>
-            <a:off x="381000" y="685800"/>
-            <a:ext cx="6096000" cy="3429000"/>
-          </a:xfrm>
-          <a:custGeom>
-            <a:avLst/>
-            <a:gdLst/>
-            <a:ahLst/>
-            <a:cxnLst/>
-            <a:rect l="l" t="t" r="r" b="b"/>
-            <a:pathLst>
-              <a:path w="120000" h="120000" extrusionOk="0">
-                <a:moveTo>
-                  <a:pt x="0" y="0"/>
-                </a:moveTo>
-                <a:lnTo>
-                  <a:pt x="120000" y="0"/>
-                </a:lnTo>
-                <a:lnTo>
-                  <a:pt x="120000" y="120000"/>
-                </a:lnTo>
-                <a:lnTo>
-                  <a:pt x="0" y="120000"/>
-                </a:lnTo>
-                <a:close/>
-              </a:path>
-            </a:pathLst>
-          </a:custGeom>
-        </p:spPr>
-      </p:sp>
-      <p:sp>
-        <p:nvSpPr>
-          <p:cNvPr id="78" name="Google Shape;78;gedd9ff9bd3_0_10:notes"/>
-          <p:cNvSpPr txBox="1">
-            <a:spLocks noGrp="1"/>
-          </p:cNvSpPr>
-          <p:nvPr>
-            <p:ph type="body" idx="1"/>
-          </p:nvPr>
-        </p:nvSpPr>
-        <p:spPr>
-          <a:xfrm>
-            <a:off x="685800" y="4343400"/>
-            <a:ext cx="5486400" cy="4114800"/>
-          </a:xfrm>
-          <a:prstGeom prst="rect">
-            <a:avLst/>
-          </a:prstGeom>
-        </p:spPr>
-        <p:txBody>
-          <a:bodyPr spcFirstLastPara="1" wrap="square" lIns="91425" tIns="91425" rIns="91425" bIns="91425" anchor="t" anchorCtr="0">
-            <a:noAutofit/>
-          </a:bodyPr>
-          <a:lstStyle/>
-          <a:p>
-            <a:pPr marL="0" lvl="0" indent="0" algn="l" rtl="0">
-              <a:spcBef>
-                <a:spcPts val="0"/>
-              </a:spcBef>
-              <a:spcAft>
-                <a:spcPts val="0"/>
-              </a:spcAft>
-              <a:buNone/>
-            </a:pPr>
-            <a:endParaRPr/>
-          </a:p>
-        </p:txBody>
-      </p:sp>
-    </p:spTree>
-  </p:cSld>
-  <p:clrMapOvr>
-    <a:masterClrMapping/>
-  </p:clrMapOvr>
-</p:notes>
-</file>
-
-<file path=ppt/notesSlides/notesSlide11.xml><?xml version="1.0" encoding="utf-8"?>
-<p:notes xmlns:a="http://schemas.openxmlformats.org/drawingml/2006/main" xmlns:r="http://schemas.openxmlformats.org/officeDocument/2006/relationships" xmlns:p="http://schemas.openxmlformats.org/presentationml/2006/main" showMasterSp="0" showMasterPhAnim="0">
-  <p:cSld>
-    <p:spTree>
-      <p:nvGrpSpPr>
-        <p:cNvPr id="1" name="Shape 83"/>
-        <p:cNvGrpSpPr/>
-        <p:nvPr/>
-      </p:nvGrpSpPr>
-      <p:grpSpPr>
-        <a:xfrm>
-          <a:off x="0" y="0"/>
-          <a:ext cx="0" cy="0"/>
-          <a:chOff x="0" y="0"/>
-          <a:chExt cx="0" cy="0"/>
-        </a:xfrm>
-      </p:grpSpPr>
-      <p:sp>
-        <p:nvSpPr>
-          <p:cNvPr id="84" name="Google Shape;84;g2978e4d71d8_0_0:notes"/>
-          <p:cNvSpPr>
-            <a:spLocks noGrp="1" noRot="1" noChangeAspect="1"/>
-          </p:cNvSpPr>
-          <p:nvPr>
-            <p:ph type="sldImg" idx="2"/>
-          </p:nvPr>
-        </p:nvSpPr>
-        <p:spPr>
-          <a:xfrm>
-            <a:off x="381000" y="685800"/>
-            <a:ext cx="6096000" cy="3429000"/>
-          </a:xfrm>
-          <a:custGeom>
-            <a:avLst/>
-            <a:gdLst/>
-            <a:ahLst/>
-            <a:cxnLst/>
-            <a:rect l="l" t="t" r="r" b="b"/>
-            <a:pathLst>
-              <a:path w="120000" h="120000" extrusionOk="0">
-                <a:moveTo>
-                  <a:pt x="0" y="0"/>
-                </a:moveTo>
-                <a:lnTo>
-                  <a:pt x="120000" y="0"/>
-                </a:lnTo>
-                <a:lnTo>
-                  <a:pt x="120000" y="120000"/>
-                </a:lnTo>
-                <a:lnTo>
-                  <a:pt x="0" y="120000"/>
-                </a:lnTo>
-                <a:close/>
-              </a:path>
-            </a:pathLst>
-          </a:custGeom>
-        </p:spPr>
-      </p:sp>
-      <p:sp>
-        <p:nvSpPr>
-          <p:cNvPr id="85" name="Google Shape;85;g2978e4d71d8_0_0:notes"/>
-          <p:cNvSpPr txBox="1">
-            <a:spLocks noGrp="1"/>
-          </p:cNvSpPr>
-          <p:nvPr>
-            <p:ph type="body" idx="1"/>
-          </p:nvPr>
-        </p:nvSpPr>
-        <p:spPr>
-          <a:xfrm>
-            <a:off x="685800" y="4343400"/>
-            <a:ext cx="5486400" cy="4114800"/>
-          </a:xfrm>
-          <a:prstGeom prst="rect">
-            <a:avLst/>
-          </a:prstGeom>
-        </p:spPr>
-        <p:txBody>
-          <a:bodyPr spcFirstLastPara="1" wrap="square" lIns="91425" tIns="91425" rIns="91425" bIns="91425" anchor="t" anchorCtr="0">
-            <a:noAutofit/>
-          </a:bodyPr>
-          <a:lstStyle/>
-          <a:p>
-            <a:pPr marL="0" lvl="0" indent="0" algn="l" rtl="0">
-              <a:spcBef>
-                <a:spcPts val="0"/>
-              </a:spcBef>
-              <a:spcAft>
-                <a:spcPts val="0"/>
-              </a:spcAft>
-              <a:buNone/>
-            </a:pPr>
-            <a:endParaRPr/>
-          </a:p>
-        </p:txBody>
-      </p:sp>
-    </p:spTree>
-  </p:cSld>
-  <p:clrMapOvr>
-    <a:masterClrMapping/>
-  </p:clrMapOvr>
-</p:notes>
-</file>
-
 <file path=ppt/notesSlides/notesSlide2.xml><?xml version="1.0" encoding="utf-8"?>
 <p:notes xmlns:a="http://schemas.openxmlformats.org/drawingml/2006/main" xmlns:r="http://schemas.openxmlformats.org/officeDocument/2006/relationships" xmlns:p="http://schemas.openxmlformats.org/presentationml/2006/main" showMasterSp="0" showMasterPhAnim="0">
   <p:cSld>
@@ -1345,7 +1135,7 @@
   <p:cSld>
     <p:spTree>
       <p:nvGrpSpPr>
-        <p:cNvPr id="1" name="Shape 91"/>
+        <p:cNvPr id="1" name="Shape 68"/>
         <p:cNvGrpSpPr/>
         <p:nvPr/>
       </p:nvGrpSpPr>
@@ -1359,7 +1149,7 @@
       </p:grpSpPr>
       <p:sp>
         <p:nvSpPr>
-          <p:cNvPr id="92" name="Google Shape;92;gf6a3e371d8_0_120:notes"/>
+          <p:cNvPr id="69" name="Google Shape;69;gfcc25f975a_0_0:notes"/>
           <p:cNvSpPr>
             <a:spLocks noGrp="1" noRot="1" noChangeAspect="1"/>
           </p:cNvSpPr>
@@ -1400,7 +1190,7 @@
       </p:sp>
       <p:sp>
         <p:nvSpPr>
-          <p:cNvPr id="93" name="Google Shape;93;gf6a3e371d8_0_120:notes"/>
+          <p:cNvPr id="70" name="Google Shape;70;gfcc25f975a_0_0:notes"/>
           <p:cNvSpPr txBox="1">
             <a:spLocks noGrp="1"/>
           </p:cNvSpPr>
@@ -1437,11 +1227,6 @@
         </p:txBody>
       </p:sp>
     </p:spTree>
-    <p:extLst>
-      <p:ext uri="{BB962C8B-B14F-4D97-AF65-F5344CB8AC3E}">
-        <p14:creationId xmlns:p14="http://schemas.microsoft.com/office/powerpoint/2010/main" val="883992255"/>
-      </p:ext>
-    </p:extLst>
   </p:cSld>
   <p:clrMapOvr>
     <a:masterClrMapping/>
@@ -1548,7 +1333,7 @@
     </p:spTree>
     <p:extLst>
       <p:ext uri="{BB962C8B-B14F-4D97-AF65-F5344CB8AC3E}">
-        <p14:creationId xmlns:p14="http://schemas.microsoft.com/office/powerpoint/2010/main" val="3673230045"/>
+        <p14:creationId xmlns:p14="http://schemas.microsoft.com/office/powerpoint/2010/main" val="883992255"/>
       </p:ext>
     </p:extLst>
   </p:cSld>
@@ -1657,7 +1442,7 @@
     </p:spTree>
     <p:extLst>
       <p:ext uri="{BB962C8B-B14F-4D97-AF65-F5344CB8AC3E}">
-        <p14:creationId xmlns:p14="http://schemas.microsoft.com/office/powerpoint/2010/main" val="1640745857"/>
+        <p14:creationId xmlns:p14="http://schemas.microsoft.com/office/powerpoint/2010/main" val="3673230045"/>
       </p:ext>
     </p:extLst>
   </p:cSld>
@@ -1766,7 +1551,7 @@
     </p:spTree>
     <p:extLst>
       <p:ext uri="{BB962C8B-B14F-4D97-AF65-F5344CB8AC3E}">
-        <p14:creationId xmlns:p14="http://schemas.microsoft.com/office/powerpoint/2010/main" val="47371821"/>
+        <p14:creationId xmlns:p14="http://schemas.microsoft.com/office/powerpoint/2010/main" val="1640745857"/>
       </p:ext>
     </p:extLst>
   </p:cSld>
@@ -1781,7 +1566,7 @@
   <p:cSld>
     <p:spTree>
       <p:nvGrpSpPr>
-        <p:cNvPr id="1" name="Shape 68"/>
+        <p:cNvPr id="1" name="Shape 91"/>
         <p:cNvGrpSpPr/>
         <p:nvPr/>
       </p:nvGrpSpPr>
@@ -1795,7 +1580,7 @@
       </p:grpSpPr>
       <p:sp>
         <p:nvSpPr>
-          <p:cNvPr id="69" name="Google Shape;69;gfcc25f975a_0_0:notes"/>
+          <p:cNvPr id="92" name="Google Shape;92;gf6a3e371d8_0_120:notes"/>
           <p:cNvSpPr>
             <a:spLocks noGrp="1" noRot="1" noChangeAspect="1"/>
           </p:cNvSpPr>
@@ -1836,7 +1621,7 @@
       </p:sp>
       <p:sp>
         <p:nvSpPr>
-          <p:cNvPr id="70" name="Google Shape;70;gfcc25f975a_0_0:notes"/>
+          <p:cNvPr id="93" name="Google Shape;93;gf6a3e371d8_0_120:notes"/>
           <p:cNvSpPr txBox="1">
             <a:spLocks noGrp="1"/>
           </p:cNvSpPr>
@@ -1873,6 +1658,11 @@
         </p:txBody>
       </p:sp>
     </p:spTree>
+    <p:extLst>
+      <p:ext uri="{BB962C8B-B14F-4D97-AF65-F5344CB8AC3E}">
+        <p14:creationId xmlns:p14="http://schemas.microsoft.com/office/powerpoint/2010/main" val="47371821"/>
+      </p:ext>
+    </p:extLst>
   </p:cSld>
   <p:clrMapOvr>
     <a:masterClrMapping/>
@@ -6738,395 +6528,6 @@
 </p:sld>
 </file>
 
-<file path=ppt/slides/slide10.xml><?xml version="1.0" encoding="utf-8"?>
-<p:sld xmlns:a="http://schemas.openxmlformats.org/drawingml/2006/main" xmlns:r="http://schemas.openxmlformats.org/officeDocument/2006/relationships" xmlns:p="http://schemas.openxmlformats.org/presentationml/2006/main">
-  <p:cSld>
-    <p:spTree>
-      <p:nvGrpSpPr>
-        <p:cNvPr id="1" name="Shape 79"/>
-        <p:cNvGrpSpPr/>
-        <p:nvPr/>
-      </p:nvGrpSpPr>
-      <p:grpSpPr>
-        <a:xfrm>
-          <a:off x="0" y="0"/>
-          <a:ext cx="0" cy="0"/>
-          <a:chOff x="0" y="0"/>
-          <a:chExt cx="0" cy="0"/>
-        </a:xfrm>
-      </p:grpSpPr>
-      <p:sp>
-        <p:nvSpPr>
-          <p:cNvPr id="80" name="Google Shape;80;p17"/>
-          <p:cNvSpPr txBox="1">
-            <a:spLocks noGrp="1"/>
-          </p:cNvSpPr>
-          <p:nvPr>
-            <p:ph type="title"/>
-          </p:nvPr>
-        </p:nvSpPr>
-        <p:spPr>
-          <a:xfrm>
-            <a:off x="311700" y="445025"/>
-            <a:ext cx="8520600" cy="572700"/>
-          </a:xfrm>
-          <a:prstGeom prst="rect">
-            <a:avLst/>
-          </a:prstGeom>
-        </p:spPr>
-        <p:txBody>
-          <a:bodyPr spcFirstLastPara="1" wrap="square" lIns="91425" tIns="91425" rIns="91425" bIns="91425" anchor="t" anchorCtr="0">
-            <a:noAutofit/>
-          </a:bodyPr>
-          <a:lstStyle/>
-          <a:p>
-            <a:pPr marL="0" lvl="0" indent="0" algn="l" rtl="0">
-              <a:spcBef>
-                <a:spcPts val="0"/>
-              </a:spcBef>
-              <a:spcAft>
-                <a:spcPts val="0"/>
-              </a:spcAft>
-              <a:buNone/>
-            </a:pPr>
-            <a:r>
-              <a:rPr lang="en-GB" dirty="0"/>
-              <a:t>Detailed class diagram - Aggregate </a:t>
-            </a:r>
-            <a:r>
-              <a:rPr lang="en-GB" dirty="0" err="1"/>
-              <a:t>WebinarEvent</a:t>
-            </a:r>
-            <a:endParaRPr dirty="0"/>
-          </a:p>
-        </p:txBody>
-      </p:sp>
-      <p:sp>
-        <p:nvSpPr>
-          <p:cNvPr id="81" name="Google Shape;81;p17"/>
-          <p:cNvSpPr txBox="1">
-            <a:spLocks noGrp="1"/>
-          </p:cNvSpPr>
-          <p:nvPr>
-            <p:ph type="body" idx="1"/>
-          </p:nvPr>
-        </p:nvSpPr>
-        <p:spPr>
-          <a:xfrm>
-            <a:off x="311700" y="1152475"/>
-            <a:ext cx="3226800" cy="3416400"/>
-          </a:xfrm>
-          <a:prstGeom prst="rect">
-            <a:avLst/>
-          </a:prstGeom>
-        </p:spPr>
-        <p:txBody>
-          <a:bodyPr spcFirstLastPara="1" wrap="square" lIns="91425" tIns="91425" rIns="91425" bIns="91425" anchor="t" anchorCtr="0">
-            <a:noAutofit/>
-          </a:bodyPr>
-          <a:lstStyle/>
-          <a:p>
-            <a:pPr marL="0" lvl="0" indent="0" algn="l" rtl="0">
-              <a:spcBef>
-                <a:spcPts val="0"/>
-              </a:spcBef>
-              <a:spcAft>
-                <a:spcPts val="0"/>
-              </a:spcAft>
-              <a:buNone/>
-            </a:pPr>
-            <a:r>
-              <a:rPr lang="en-GB"/>
-              <a:t>Show a class diagram for an aggregate</a:t>
-            </a:r>
-            <a:endParaRPr/>
-          </a:p>
-          <a:p>
-            <a:pPr marL="0" lvl="0" indent="0" algn="l" rtl="0">
-              <a:spcBef>
-                <a:spcPts val="1200"/>
-              </a:spcBef>
-              <a:spcAft>
-                <a:spcPts val="0"/>
-              </a:spcAft>
-              <a:buNone/>
-            </a:pPr>
-            <a:r>
-              <a:rPr lang="en-GB"/>
-              <a:t>Include new domain events if any found</a:t>
-            </a:r>
-            <a:endParaRPr/>
-          </a:p>
-          <a:p>
-            <a:pPr marL="0" lvl="0" indent="0" algn="l" rtl="0">
-              <a:spcBef>
-                <a:spcPts val="1200"/>
-              </a:spcBef>
-              <a:spcAft>
-                <a:spcPts val="0"/>
-              </a:spcAft>
-              <a:buNone/>
-            </a:pPr>
-            <a:r>
-              <a:rPr lang="en-GB"/>
-              <a:t>Check that external references go to roots or domain services only</a:t>
-            </a:r>
-            <a:endParaRPr/>
-          </a:p>
-          <a:p>
-            <a:pPr marL="0" lvl="0" indent="0" algn="l" rtl="0">
-              <a:spcBef>
-                <a:spcPts val="1200"/>
-              </a:spcBef>
-              <a:spcAft>
-                <a:spcPts val="0"/>
-              </a:spcAft>
-              <a:buNone/>
-            </a:pPr>
-            <a:endParaRPr/>
-          </a:p>
-          <a:p>
-            <a:pPr marL="0" lvl="0" indent="0" algn="l" rtl="0">
-              <a:spcBef>
-                <a:spcPts val="1200"/>
-              </a:spcBef>
-              <a:spcAft>
-                <a:spcPts val="1200"/>
-              </a:spcAft>
-              <a:buNone/>
-            </a:pPr>
-            <a:endParaRPr/>
-          </a:p>
-        </p:txBody>
-      </p:sp>
-      <p:pic>
-        <p:nvPicPr>
-          <p:cNvPr id="82" name="Google Shape;82;p17"/>
-          <p:cNvPicPr preferRelativeResize="0"/>
-          <p:nvPr/>
-        </p:nvPicPr>
-        <p:blipFill>
-          <a:blip r:embed="rId3">
-            <a:alphaModFix/>
-          </a:blip>
-          <a:stretch>
-            <a:fillRect/>
-          </a:stretch>
-        </p:blipFill>
-        <p:spPr>
-          <a:xfrm>
-            <a:off x="3690900" y="1170125"/>
-            <a:ext cx="5071317" cy="3820975"/>
-          </a:xfrm>
-          <a:prstGeom prst="rect">
-            <a:avLst/>
-          </a:prstGeom>
-          <a:noFill/>
-          <a:ln>
-            <a:noFill/>
-          </a:ln>
-        </p:spPr>
-      </p:pic>
-    </p:spTree>
-  </p:cSld>
-  <p:clrMapOvr>
-    <a:masterClrMapping/>
-  </p:clrMapOvr>
-</p:sld>
-</file>
-
-<file path=ppt/slides/slide11.xml><?xml version="1.0" encoding="utf-8"?>
-<p:sld xmlns:a="http://schemas.openxmlformats.org/drawingml/2006/main" xmlns:r="http://schemas.openxmlformats.org/officeDocument/2006/relationships" xmlns:p="http://schemas.openxmlformats.org/presentationml/2006/main">
-  <p:cSld>
-    <p:spTree>
-      <p:nvGrpSpPr>
-        <p:cNvPr id="1" name="Shape 86"/>
-        <p:cNvGrpSpPr/>
-        <p:nvPr/>
-      </p:nvGrpSpPr>
-      <p:grpSpPr>
-        <a:xfrm>
-          <a:off x="0" y="0"/>
-          <a:ext cx="0" cy="0"/>
-          <a:chOff x="0" y="0"/>
-          <a:chExt cx="0" cy="0"/>
-        </a:xfrm>
-      </p:grpSpPr>
-      <p:sp>
-        <p:nvSpPr>
-          <p:cNvPr id="87" name="Google Shape;87;p18"/>
-          <p:cNvSpPr txBox="1">
-            <a:spLocks noGrp="1"/>
-          </p:cNvSpPr>
-          <p:nvPr>
-            <p:ph type="title"/>
-          </p:nvPr>
-        </p:nvSpPr>
-        <p:spPr>
-          <a:xfrm>
-            <a:off x="311700" y="445025"/>
-            <a:ext cx="8520600" cy="572700"/>
-          </a:xfrm>
-          <a:prstGeom prst="rect">
-            <a:avLst/>
-          </a:prstGeom>
-        </p:spPr>
-        <p:txBody>
-          <a:bodyPr spcFirstLastPara="1" wrap="square" lIns="91425" tIns="91425" rIns="91425" bIns="91425" anchor="t" anchorCtr="0">
-            <a:noAutofit/>
-          </a:bodyPr>
-          <a:lstStyle/>
-          <a:p>
-            <a:pPr marL="0" lvl="0" indent="0" algn="l" rtl="0">
-              <a:spcBef>
-                <a:spcPts val="0"/>
-              </a:spcBef>
-              <a:spcAft>
-                <a:spcPts val="0"/>
-              </a:spcAft>
-              <a:buNone/>
-            </a:pPr>
-            <a:r>
-              <a:rPr lang="en-GB"/>
-              <a:t>Detailed class diagram - Aggregate N</a:t>
-            </a:r>
-            <a:endParaRPr/>
-          </a:p>
-        </p:txBody>
-      </p:sp>
-      <p:sp>
-        <p:nvSpPr>
-          <p:cNvPr id="88" name="Google Shape;88;p18"/>
-          <p:cNvSpPr txBox="1">
-            <a:spLocks noGrp="1"/>
-          </p:cNvSpPr>
-          <p:nvPr>
-            <p:ph type="body" idx="1"/>
-          </p:nvPr>
-        </p:nvSpPr>
-        <p:spPr>
-          <a:xfrm>
-            <a:off x="311700" y="1152475"/>
-            <a:ext cx="3226800" cy="3416400"/>
-          </a:xfrm>
-          <a:prstGeom prst="rect">
-            <a:avLst/>
-          </a:prstGeom>
-        </p:spPr>
-        <p:txBody>
-          <a:bodyPr spcFirstLastPara="1" wrap="square" lIns="91425" tIns="91425" rIns="91425" bIns="91425" anchor="t" anchorCtr="0">
-            <a:noAutofit/>
-          </a:bodyPr>
-          <a:lstStyle/>
-          <a:p>
-            <a:pPr marL="0" lvl="0" indent="0" algn="l" rtl="0">
-              <a:spcBef>
-                <a:spcPts val="0"/>
-              </a:spcBef>
-              <a:spcAft>
-                <a:spcPts val="0"/>
-              </a:spcAft>
-              <a:buNone/>
-            </a:pPr>
-            <a:r>
-              <a:rPr lang="en-GB"/>
-              <a:t>Repeat for each aggregate….</a:t>
-            </a:r>
-            <a:endParaRPr/>
-          </a:p>
-          <a:p>
-            <a:pPr marL="0" lvl="0" indent="0" algn="l" rtl="0">
-              <a:spcBef>
-                <a:spcPts val="1200"/>
-              </a:spcBef>
-              <a:spcAft>
-                <a:spcPts val="0"/>
-              </a:spcAft>
-              <a:buNone/>
-            </a:pPr>
-            <a:r>
-              <a:rPr lang="en-GB"/>
-              <a:t>Check that external references go to roots or domain services only</a:t>
-            </a:r>
-            <a:endParaRPr/>
-          </a:p>
-          <a:p>
-            <a:pPr marL="0" lvl="0" indent="0" algn="l" rtl="0">
-              <a:spcBef>
-                <a:spcPts val="1200"/>
-              </a:spcBef>
-              <a:spcAft>
-                <a:spcPts val="0"/>
-              </a:spcAft>
-              <a:buClr>
-                <a:schemeClr val="dk1"/>
-              </a:buClr>
-              <a:buSzPts val="1100"/>
-              <a:buFont typeface="Arial"/>
-              <a:buNone/>
-            </a:pPr>
-            <a:r>
-              <a:rPr lang="en-GB"/>
-              <a:t>Check that commands and events in the storming diagram are elaborated in class diagrams</a:t>
-            </a:r>
-            <a:endParaRPr/>
-          </a:p>
-          <a:p>
-            <a:pPr marL="0" lvl="0" indent="0" algn="l" rtl="0">
-              <a:spcBef>
-                <a:spcPts val="1200"/>
-              </a:spcBef>
-              <a:spcAft>
-                <a:spcPts val="0"/>
-              </a:spcAft>
-              <a:buClr>
-                <a:schemeClr val="dk1"/>
-              </a:buClr>
-              <a:buSzPts val="1100"/>
-              <a:buFont typeface="Arial"/>
-              <a:buNone/>
-            </a:pPr>
-            <a:endParaRPr/>
-          </a:p>
-          <a:p>
-            <a:pPr marL="0" lvl="0" indent="0" algn="l" rtl="0">
-              <a:spcBef>
-                <a:spcPts val="1200"/>
-              </a:spcBef>
-              <a:spcAft>
-                <a:spcPts val="0"/>
-              </a:spcAft>
-              <a:buClr>
-                <a:schemeClr val="dk1"/>
-              </a:buClr>
-              <a:buSzPts val="1100"/>
-              <a:buFont typeface="Arial"/>
-              <a:buNone/>
-            </a:pPr>
-            <a:endParaRPr/>
-          </a:p>
-          <a:p>
-            <a:pPr marL="0" lvl="0" indent="0" algn="l" rtl="0">
-              <a:spcBef>
-                <a:spcPts val="1200"/>
-              </a:spcBef>
-              <a:spcAft>
-                <a:spcPts val="1200"/>
-              </a:spcAft>
-              <a:buNone/>
-            </a:pPr>
-            <a:endParaRPr/>
-          </a:p>
-        </p:txBody>
-      </p:sp>
-    </p:spTree>
-  </p:cSld>
-  <p:clrMapOvr>
-    <a:masterClrMapping/>
-  </p:clrMapOvr>
-</p:sld>
-</file>
-
 <file path=ppt/slides/slide2.xml><?xml version="1.0" encoding="utf-8"?>
 <p:sld xmlns:a="http://schemas.openxmlformats.org/drawingml/2006/main" xmlns:r="http://schemas.openxmlformats.org/officeDocument/2006/relationships" xmlns:p="http://schemas.openxmlformats.org/presentationml/2006/main">
   <p:cSld>
@@ -7932,6 +7333,146 @@
   <p:cSld>
     <p:spTree>
       <p:nvGrpSpPr>
+        <p:cNvPr id="1" name="Shape 71"/>
+        <p:cNvGrpSpPr/>
+        <p:nvPr/>
+      </p:nvGrpSpPr>
+      <p:grpSpPr>
+        <a:xfrm>
+          <a:off x="0" y="0"/>
+          <a:ext cx="0" cy="0"/>
+          <a:chOff x="0" y="0"/>
+          <a:chExt cx="0" cy="0"/>
+        </a:xfrm>
+      </p:grpSpPr>
+      <p:sp>
+        <p:nvSpPr>
+          <p:cNvPr id="72" name="Google Shape;72;p16"/>
+          <p:cNvSpPr txBox="1">
+            <a:spLocks noGrp="1"/>
+          </p:cNvSpPr>
+          <p:nvPr>
+            <p:ph type="title"/>
+          </p:nvPr>
+        </p:nvSpPr>
+        <p:spPr>
+          <a:xfrm>
+            <a:off x="311700" y="445025"/>
+            <a:ext cx="8520600" cy="572700"/>
+          </a:xfrm>
+          <a:prstGeom prst="rect">
+            <a:avLst/>
+          </a:prstGeom>
+        </p:spPr>
+        <p:txBody>
+          <a:bodyPr spcFirstLastPara="1" wrap="square" lIns="91425" tIns="91425" rIns="91425" bIns="91425" anchor="t" anchorCtr="0">
+            <a:noAutofit/>
+          </a:bodyPr>
+          <a:lstStyle/>
+          <a:p>
+            <a:pPr marL="0" lvl="0" indent="0" algn="l" rtl="0">
+              <a:spcBef>
+                <a:spcPts val="0"/>
+              </a:spcBef>
+              <a:spcAft>
+                <a:spcPts val="0"/>
+              </a:spcAft>
+              <a:buNone/>
+            </a:pPr>
+            <a:r>
+              <a:rPr lang="en-GB" dirty="0"/>
+              <a:t>Event storming</a:t>
+            </a:r>
+            <a:endParaRPr dirty="0"/>
+          </a:p>
+        </p:txBody>
+      </p:sp>
+      <p:sp>
+        <p:nvSpPr>
+          <p:cNvPr id="8" name="Slide Number Placeholder 1">
+            <a:extLst>
+              <a:ext uri="{FF2B5EF4-FFF2-40B4-BE49-F238E27FC236}">
+                <a16:creationId xmlns:a16="http://schemas.microsoft.com/office/drawing/2014/main" id="{F4B65BE3-0605-42D5-A805-89076F44CB1A}"/>
+              </a:ext>
+            </a:extLst>
+          </p:cNvPr>
+          <p:cNvSpPr>
+            <a:spLocks noGrp="1"/>
+          </p:cNvSpPr>
+          <p:nvPr>
+            <p:ph type="sldNum" idx="12"/>
+          </p:nvPr>
+        </p:nvSpPr>
+        <p:spPr>
+          <a:xfrm>
+            <a:off x="8472458" y="4663217"/>
+            <a:ext cx="548700" cy="393600"/>
+          </a:xfrm>
+        </p:spPr>
+        <p:txBody>
+          <a:bodyPr/>
+          <a:lstStyle/>
+          <a:p>
+            <a:pPr marL="0" lvl="0" indent="0" algn="r" rtl="0">
+              <a:spcBef>
+                <a:spcPts val="0"/>
+              </a:spcBef>
+              <a:spcAft>
+                <a:spcPts val="0"/>
+              </a:spcAft>
+              <a:buNone/>
+            </a:pPr>
+            <a:fld id="{00000000-1234-1234-1234-123412341234}" type="slidenum">
+              <a:rPr lang="en-GB" smtClean="0"/>
+              <a:t>5</a:t>
+            </a:fld>
+            <a:endParaRPr lang="en-GB" dirty="0"/>
+          </a:p>
+        </p:txBody>
+      </p:sp>
+      <p:pic>
+        <p:nvPicPr>
+          <p:cNvPr id="11" name="Picture 10">
+            <a:extLst>
+              <a:ext uri="{FF2B5EF4-FFF2-40B4-BE49-F238E27FC236}">
+                <a16:creationId xmlns:a16="http://schemas.microsoft.com/office/drawing/2014/main" id="{57FF2466-D376-4780-8BE5-248BBAA418E5}"/>
+              </a:ext>
+            </a:extLst>
+          </p:cNvPr>
+          <p:cNvPicPr>
+            <a:picLocks noChangeAspect="1"/>
+          </p:cNvPicPr>
+          <p:nvPr/>
+        </p:nvPicPr>
+        <p:blipFill>
+          <a:blip r:embed="rId3"/>
+          <a:stretch>
+            <a:fillRect/>
+          </a:stretch>
+        </p:blipFill>
+        <p:spPr>
+          <a:xfrm>
+            <a:off x="55418" y="1043121"/>
+            <a:ext cx="9033164" cy="3057258"/>
+          </a:xfrm>
+          <a:prstGeom prst="rect">
+            <a:avLst/>
+          </a:prstGeom>
+        </p:spPr>
+      </p:pic>
+    </p:spTree>
+  </p:cSld>
+  <p:clrMapOvr>
+    <a:masterClrMapping/>
+  </p:clrMapOvr>
+</p:sld>
+</file>
+
+<file path=ppt/slides/slide6.xml><?xml version="1.0" encoding="utf-8"?>
+<p:sld xmlns:a="http://schemas.openxmlformats.org/drawingml/2006/main" xmlns:r="http://schemas.openxmlformats.org/officeDocument/2006/relationships" xmlns:p="http://schemas.openxmlformats.org/presentationml/2006/main">
+  <p:cSld>
+    <p:spTree>
+      <p:nvGrpSpPr>
         <p:cNvPr id="1" name="Shape 94"/>
         <p:cNvGrpSpPr/>
         <p:nvPr/>
@@ -8040,7 +7581,7 @@
             </a:pPr>
             <a:fld id="{00000000-1234-1234-1234-123412341234}" type="slidenum">
               <a:rPr lang="en-GB" smtClean="0"/>
-              <a:t>5</a:t>
+              <a:t>6</a:t>
             </a:fld>
             <a:endParaRPr lang="en-GB"/>
           </a:p>
@@ -8062,14 +7603,13 @@
         </p:nvPicPr>
         <p:blipFill>
           <a:blip r:embed="rId3"/>
-          <a:stretch>
-            <a:fillRect/>
-          </a:stretch>
+          <a:srcRect/>
+          <a:stretch/>
         </p:blipFill>
         <p:spPr bwMode="auto">
           <a:xfrm>
-            <a:off x="1365655" y="1141379"/>
-            <a:ext cx="6516994" cy="2905327"/>
+            <a:off x="1533096" y="1141379"/>
+            <a:ext cx="6182111" cy="2905327"/>
           </a:xfrm>
           <a:prstGeom prst="rect">
             <a:avLst/>
@@ -8099,7 +7639,7 @@
 </p:sld>
 </file>
 
-<file path=ppt/slides/slide6.xml><?xml version="1.0" encoding="utf-8"?>
+<file path=ppt/slides/slide7.xml><?xml version="1.0" encoding="utf-8"?>
 <p:sld xmlns:a="http://schemas.openxmlformats.org/drawingml/2006/main" xmlns:r="http://schemas.openxmlformats.org/officeDocument/2006/relationships" xmlns:p="http://schemas.openxmlformats.org/presentationml/2006/main">
   <p:cSld>
     <p:spTree>
@@ -8227,7 +7767,7 @@
             </a:pPr>
             <a:fld id="{00000000-1234-1234-1234-123412341234}" type="slidenum">
               <a:rPr lang="en-GB" smtClean="0"/>
-              <a:t>6</a:t>
+              <a:t>7</a:t>
             </a:fld>
             <a:endParaRPr lang="en-GB"/>
           </a:p>
@@ -8249,14 +7789,13 @@
         </p:nvPicPr>
         <p:blipFill>
           <a:blip r:embed="rId3"/>
-          <a:stretch>
-            <a:fillRect/>
-          </a:stretch>
+          <a:srcRect/>
+          <a:stretch/>
         </p:blipFill>
         <p:spPr bwMode="auto">
           <a:xfrm>
-            <a:off x="536116" y="1293689"/>
-            <a:ext cx="7761355" cy="2879387"/>
+            <a:off x="2051786" y="824856"/>
+            <a:ext cx="4730014" cy="3817054"/>
           </a:xfrm>
           <a:prstGeom prst="rect">
             <a:avLst/>
@@ -8286,7 +7825,7 @@
 </p:sld>
 </file>
 
-<file path=ppt/slides/slide7.xml><?xml version="1.0" encoding="utf-8"?>
+<file path=ppt/slides/slide8.xml><?xml version="1.0" encoding="utf-8"?>
 <p:sld xmlns:a="http://schemas.openxmlformats.org/drawingml/2006/main" xmlns:r="http://schemas.openxmlformats.org/officeDocument/2006/relationships" xmlns:p="http://schemas.openxmlformats.org/presentationml/2006/main">
   <p:cSld>
     <p:spTree>
@@ -8399,7 +7938,7 @@
             </a:pPr>
             <a:fld id="{00000000-1234-1234-1234-123412341234}" type="slidenum">
               <a:rPr lang="en-GB" smtClean="0"/>
-              <a:t>7</a:t>
+              <a:t>8</a:t>
             </a:fld>
             <a:endParaRPr lang="en-GB"/>
           </a:p>
@@ -8421,14 +7960,13 @@
         </p:nvPicPr>
         <p:blipFill>
           <a:blip r:embed="rId3"/>
-          <a:stretch>
-            <a:fillRect/>
-          </a:stretch>
+          <a:srcRect/>
+          <a:stretch/>
         </p:blipFill>
         <p:spPr bwMode="auto">
           <a:xfrm>
-            <a:off x="3232492" y="1105508"/>
-            <a:ext cx="2679016" cy="3129692"/>
+            <a:off x="2112818" y="825967"/>
+            <a:ext cx="4918364" cy="3688774"/>
           </a:xfrm>
           <a:prstGeom prst="rect">
             <a:avLst/>
@@ -8458,7 +7996,7 @@
 </p:sld>
 </file>
 
-<file path=ppt/slides/slide8.xml><?xml version="1.0" encoding="utf-8"?>
+<file path=ppt/slides/slide9.xml><?xml version="1.0" encoding="utf-8"?>
 <p:sld xmlns:a="http://schemas.openxmlformats.org/drawingml/2006/main" xmlns:r="http://schemas.openxmlformats.org/officeDocument/2006/relationships" xmlns:p="http://schemas.openxmlformats.org/presentationml/2006/main">
   <p:cSld>
     <p:spTree>
@@ -8571,9 +8109,9 @@
             </a:pPr>
             <a:fld id="{00000000-1234-1234-1234-123412341234}" type="slidenum">
               <a:rPr lang="en-GB" smtClean="0"/>
-              <a:t>8</a:t>
+              <a:t>9</a:t>
             </a:fld>
-            <a:endParaRPr lang="en-GB"/>
+            <a:endParaRPr lang="en-GB" dirty="0"/>
           </a:p>
         </p:txBody>
       </p:sp>
@@ -8593,14 +8131,13 @@
         </p:nvPicPr>
         <p:blipFill>
           <a:blip r:embed="rId3"/>
-          <a:stretch>
-            <a:fillRect/>
-          </a:stretch>
+          <a:srcRect/>
+          <a:stretch/>
         </p:blipFill>
         <p:spPr bwMode="auto">
           <a:xfrm>
-            <a:off x="2705666" y="1105507"/>
-            <a:ext cx="3552461" cy="3094479"/>
+            <a:off x="2389811" y="790642"/>
+            <a:ext cx="4184172" cy="3724210"/>
           </a:xfrm>
           <a:prstGeom prst="rect">
             <a:avLst/>
@@ -8617,344 +8154,12 @@
           </a:extLst>
         </p:spPr>
       </p:pic>
-      <p:sp>
-        <p:nvSpPr>
-          <p:cNvPr id="4" name="TextBox 3">
-            <a:extLst>
-              <a:ext uri="{FF2B5EF4-FFF2-40B4-BE49-F238E27FC236}">
-                <a16:creationId xmlns:a16="http://schemas.microsoft.com/office/drawing/2014/main" id="{887D8CB3-8B05-4A4D-8871-334269589854}"/>
-              </a:ext>
-            </a:extLst>
-          </p:cNvPr>
-          <p:cNvSpPr txBox="1"/>
-          <p:nvPr/>
-        </p:nvSpPr>
-        <p:spPr>
-          <a:xfrm>
-            <a:off x="434502" y="1964987"/>
-            <a:ext cx="2081719" cy="307777"/>
-          </a:xfrm>
-          <a:prstGeom prst="rect">
-            <a:avLst/>
-          </a:prstGeom>
-          <a:noFill/>
-        </p:spPr>
-        <p:txBody>
-          <a:bodyPr wrap="square" rtlCol="0">
-            <a:spAutoFit/>
-          </a:bodyPr>
-          <a:lstStyle/>
-          <a:p>
-            <a:r>
-              <a:rPr lang="en-US" dirty="0"/>
-              <a:t>Decompose </a:t>
-            </a:r>
-            <a:r>
-              <a:rPr lang="en-US"/>
-              <a:t>into more</a:t>
-            </a:r>
-            <a:endParaRPr lang="ru-RU"/>
-          </a:p>
-        </p:txBody>
-      </p:sp>
     </p:spTree>
     <p:extLst>
       <p:ext uri="{BB962C8B-B14F-4D97-AF65-F5344CB8AC3E}">
         <p14:creationId xmlns:p14="http://schemas.microsoft.com/office/powerpoint/2010/main" val="4088691068"/>
       </p:ext>
     </p:extLst>
-  </p:cSld>
-  <p:clrMapOvr>
-    <a:masterClrMapping/>
-  </p:clrMapOvr>
-</p:sld>
-</file>
-
-<file path=ppt/slides/slide9.xml><?xml version="1.0" encoding="utf-8"?>
-<p:sld xmlns:a="http://schemas.openxmlformats.org/drawingml/2006/main" xmlns:r="http://schemas.openxmlformats.org/officeDocument/2006/relationships" xmlns:p="http://schemas.openxmlformats.org/presentationml/2006/main">
-  <p:cSld>
-    <p:spTree>
-      <p:nvGrpSpPr>
-        <p:cNvPr id="1" name="Shape 71"/>
-        <p:cNvGrpSpPr/>
-        <p:nvPr/>
-      </p:nvGrpSpPr>
-      <p:grpSpPr>
-        <a:xfrm>
-          <a:off x="0" y="0"/>
-          <a:ext cx="0" cy="0"/>
-          <a:chOff x="0" y="0"/>
-          <a:chExt cx="0" cy="0"/>
-        </a:xfrm>
-      </p:grpSpPr>
-      <p:sp>
-        <p:nvSpPr>
-          <p:cNvPr id="72" name="Google Shape;72;p16"/>
-          <p:cNvSpPr txBox="1">
-            <a:spLocks noGrp="1"/>
-          </p:cNvSpPr>
-          <p:nvPr>
-            <p:ph type="title"/>
-          </p:nvPr>
-        </p:nvSpPr>
-        <p:spPr>
-          <a:xfrm>
-            <a:off x="311700" y="445025"/>
-            <a:ext cx="8520600" cy="572700"/>
-          </a:xfrm>
-          <a:prstGeom prst="rect">
-            <a:avLst/>
-          </a:prstGeom>
-        </p:spPr>
-        <p:txBody>
-          <a:bodyPr spcFirstLastPara="1" wrap="square" lIns="91425" tIns="91425" rIns="91425" bIns="91425" anchor="t" anchorCtr="0">
-            <a:noAutofit/>
-          </a:bodyPr>
-          <a:lstStyle/>
-          <a:p>
-            <a:pPr marL="0" lvl="0" indent="0" algn="l" rtl="0">
-              <a:spcBef>
-                <a:spcPts val="0"/>
-              </a:spcBef>
-              <a:spcAft>
-                <a:spcPts val="0"/>
-              </a:spcAft>
-              <a:buNone/>
-            </a:pPr>
-            <a:r>
-              <a:rPr lang="en-GB" dirty="0"/>
-              <a:t>Event storming</a:t>
-            </a:r>
-            <a:endParaRPr dirty="0"/>
-          </a:p>
-        </p:txBody>
-      </p:sp>
-      <p:sp>
-        <p:nvSpPr>
-          <p:cNvPr id="73" name="Google Shape;73;p16"/>
-          <p:cNvSpPr txBox="1">
-            <a:spLocks noGrp="1"/>
-          </p:cNvSpPr>
-          <p:nvPr>
-            <p:ph type="body" idx="1"/>
-          </p:nvPr>
-        </p:nvSpPr>
-        <p:spPr>
-          <a:xfrm>
-            <a:off x="311700" y="1152475"/>
-            <a:ext cx="6208800" cy="1547400"/>
-          </a:xfrm>
-          <a:prstGeom prst="rect">
-            <a:avLst/>
-          </a:prstGeom>
-        </p:spPr>
-        <p:txBody>
-          <a:bodyPr spcFirstLastPara="1" wrap="square" lIns="91425" tIns="91425" rIns="91425" bIns="91425" anchor="t" anchorCtr="0">
-            <a:noAutofit/>
-          </a:bodyPr>
-          <a:lstStyle/>
-          <a:p>
-            <a:pPr marL="0" lvl="0" indent="0" algn="l" rtl="0">
-              <a:spcBef>
-                <a:spcPts val="0"/>
-              </a:spcBef>
-              <a:spcAft>
-                <a:spcPts val="0"/>
-              </a:spcAft>
-              <a:buNone/>
-            </a:pPr>
-            <a:r>
-              <a:rPr lang="en-GB" dirty="0"/>
-              <a:t>Study how event storming is performed </a:t>
-            </a:r>
-            <a:r>
-              <a:rPr lang="en-GB" u="sng" dirty="0">
-                <a:solidFill>
-                  <a:schemeClr val="hlink"/>
-                </a:solidFill>
-                <a:hlinkClick r:id="rId3"/>
-              </a:rPr>
-              <a:t>https://en.wikipedia.org/wiki/Event_storming</a:t>
-            </a:r>
-            <a:br>
-              <a:rPr lang="en-GB" dirty="0"/>
-            </a:br>
-            <a:r>
-              <a:rPr lang="en-GB" u="sng" dirty="0">
-                <a:solidFill>
-                  <a:schemeClr val="hlink"/>
-                </a:solidFill>
-                <a:hlinkClick r:id="rId4"/>
-              </a:rPr>
-              <a:t>https://contextmapper.org/docs/event-storming/</a:t>
-            </a:r>
-            <a:r>
-              <a:rPr lang="en-GB" dirty="0"/>
-              <a:t> </a:t>
-            </a:r>
-            <a:br>
-              <a:rPr lang="en-GB" dirty="0"/>
-            </a:br>
-            <a:r>
-              <a:rPr lang="en-GB" u="sng" dirty="0">
-                <a:solidFill>
-                  <a:schemeClr val="hlink"/>
-                </a:solidFill>
-                <a:hlinkClick r:id="rId5"/>
-              </a:rPr>
-              <a:t>https://github.com/wwerner/event-storming-cheatsheet</a:t>
-            </a:r>
-            <a:r>
-              <a:rPr lang="en-GB" dirty="0"/>
-              <a:t> </a:t>
-            </a:r>
-            <a:endParaRPr dirty="0"/>
-          </a:p>
-          <a:p>
-            <a:pPr marL="0" lvl="0" indent="0" algn="l" rtl="0">
-              <a:spcBef>
-                <a:spcPts val="1200"/>
-              </a:spcBef>
-              <a:spcAft>
-                <a:spcPts val="1200"/>
-              </a:spcAft>
-              <a:buNone/>
-            </a:pPr>
-            <a:endParaRPr dirty="0"/>
-          </a:p>
-        </p:txBody>
-      </p:sp>
-      <p:pic>
-        <p:nvPicPr>
-          <p:cNvPr id="74" name="Google Shape;74;p16"/>
-          <p:cNvPicPr preferRelativeResize="0"/>
-          <p:nvPr/>
-        </p:nvPicPr>
-        <p:blipFill rotWithShape="1">
-          <a:blip r:embed="rId6">
-            <a:alphaModFix/>
-          </a:blip>
-          <a:srcRect t="36345" r="51950" b="12743"/>
-          <a:stretch/>
-        </p:blipFill>
-        <p:spPr>
-          <a:xfrm>
-            <a:off x="400750" y="2772475"/>
-            <a:ext cx="4911227" cy="2020025"/>
-          </a:xfrm>
-          <a:prstGeom prst="rect">
-            <a:avLst/>
-          </a:prstGeom>
-          <a:noFill/>
-          <a:ln>
-            <a:noFill/>
-          </a:ln>
-        </p:spPr>
-      </p:pic>
-      <p:sp>
-        <p:nvSpPr>
-          <p:cNvPr id="75" name="Google Shape;75;p16"/>
-          <p:cNvSpPr txBox="1"/>
-          <p:nvPr/>
-        </p:nvSpPr>
-        <p:spPr>
-          <a:xfrm>
-            <a:off x="6034500" y="1017725"/>
-            <a:ext cx="3000000" cy="3000000"/>
-          </a:xfrm>
-          <a:prstGeom prst="rect">
-            <a:avLst/>
-          </a:prstGeom>
-          <a:noFill/>
-          <a:ln>
-            <a:noFill/>
-          </a:ln>
-        </p:spPr>
-        <p:txBody>
-          <a:bodyPr spcFirstLastPara="1" wrap="square" lIns="91425" tIns="91425" rIns="91425" bIns="91425" anchor="t" anchorCtr="0">
-            <a:noAutofit/>
-          </a:bodyPr>
-          <a:lstStyle/>
-          <a:p>
-            <a:pPr marL="0" lvl="0" indent="0" algn="l" rtl="0">
-              <a:lnSpc>
-                <a:spcPct val="115000"/>
-              </a:lnSpc>
-              <a:spcBef>
-                <a:spcPts val="0"/>
-              </a:spcBef>
-              <a:spcAft>
-                <a:spcPts val="0"/>
-              </a:spcAft>
-              <a:buNone/>
-            </a:pPr>
-            <a:r>
-              <a:rPr lang="en-GB" sz="1800" dirty="0">
-                <a:solidFill>
-                  <a:schemeClr val="dk2"/>
-                </a:solidFill>
-              </a:rPr>
-              <a:t>Run the event storming session in a team</a:t>
-            </a:r>
-            <a:endParaRPr sz="1800" dirty="0">
-              <a:solidFill>
-                <a:schemeClr val="dk2"/>
-              </a:solidFill>
-            </a:endParaRPr>
-          </a:p>
-          <a:p>
-            <a:pPr marL="0" lvl="0" indent="0" algn="l" rtl="0">
-              <a:lnSpc>
-                <a:spcPct val="115000"/>
-              </a:lnSpc>
-              <a:spcBef>
-                <a:spcPts val="1200"/>
-              </a:spcBef>
-              <a:spcAft>
-                <a:spcPts val="0"/>
-              </a:spcAft>
-              <a:buNone/>
-            </a:pPr>
-            <a:r>
-              <a:rPr lang="en-GB" sz="1800" dirty="0">
-                <a:solidFill>
-                  <a:schemeClr val="dk2"/>
-                </a:solidFill>
-              </a:rPr>
-              <a:t>Check your class diagram and use cases against events and commands in storming.</a:t>
-            </a:r>
-            <a:endParaRPr sz="1800" dirty="0">
-              <a:solidFill>
-                <a:schemeClr val="dk2"/>
-              </a:solidFill>
-            </a:endParaRPr>
-          </a:p>
-          <a:p>
-            <a:pPr marL="0" lvl="0" indent="0" algn="l" rtl="0">
-              <a:lnSpc>
-                <a:spcPct val="115000"/>
-              </a:lnSpc>
-              <a:spcBef>
-                <a:spcPts val="1200"/>
-              </a:spcBef>
-              <a:spcAft>
-                <a:spcPts val="1200"/>
-              </a:spcAft>
-              <a:buNone/>
-            </a:pPr>
-            <a:r>
-              <a:rPr lang="en-GB" sz="1800" dirty="0">
-                <a:solidFill>
-                  <a:schemeClr val="dk2"/>
-                </a:solidFill>
-              </a:rPr>
-              <a:t>Add missing events, commands, classes to your domain model</a:t>
-            </a:r>
-            <a:endParaRPr dirty="0"/>
-          </a:p>
-        </p:txBody>
-      </p:sp>
-    </p:spTree>
   </p:cSld>
   <p:clrMapOvr>
     <a:masterClrMapping/>

--- a/PracticeTasks/Module2/Task_9/Task 9. Domain decomposition.pptx
+++ b/PracticeTasks/Module2/Task_9/Task 9. Domain decomposition.pptx
@@ -7357,7 +7357,7 @@
         </p:nvSpPr>
         <p:spPr>
           <a:xfrm>
-            <a:off x="311700" y="445025"/>
+            <a:off x="226208" y="189002"/>
             <a:ext cx="8520600" cy="572700"/>
           </a:xfrm>
           <a:prstGeom prst="rect">
@@ -7380,10 +7380,26 @@
               <a:buNone/>
             </a:pPr>
             <a:r>
-              <a:rPr lang="en-GB" dirty="0"/>
+              <a:rPr lang="en-GB" b="1" dirty="0">
+                <a:effectLst>
+                  <a:outerShdw blurRad="38100" dist="38100" dir="2700000" algn="tl">
+                    <a:srgbClr val="000000">
+                      <a:alpha val="43137"/>
+                    </a:srgbClr>
+                  </a:outerShdw>
+                </a:effectLst>
+              </a:rPr>
               <a:t>Event storming</a:t>
             </a:r>
-            <a:endParaRPr dirty="0"/>
+            <a:endParaRPr b="1" dirty="0">
+              <a:effectLst>
+                <a:outerShdw blurRad="38100" dist="38100" dir="2700000" algn="tl">
+                  <a:srgbClr val="000000">
+                    <a:alpha val="43137"/>
+                  </a:srgbClr>
+                </a:outerShdw>
+              </a:effectLst>
+            </a:endParaRPr>
           </a:p>
         </p:txBody>
       </p:sp>
@@ -8131,13 +8147,14 @@
         </p:nvPicPr>
         <p:blipFill>
           <a:blip r:embed="rId3"/>
-          <a:srcRect/>
-          <a:stretch/>
+          <a:stretch>
+            <a:fillRect/>
+          </a:stretch>
         </p:blipFill>
         <p:spPr bwMode="auto">
           <a:xfrm>
-            <a:off x="2389811" y="790642"/>
-            <a:ext cx="4184172" cy="3724210"/>
+            <a:off x="3007110" y="790642"/>
+            <a:ext cx="2949574" cy="3724210"/>
           </a:xfrm>
           <a:prstGeom prst="rect">
             <a:avLst/>

--- a/PracticeTasks/Module2/Task_9/Task 9. Domain decomposition.pptx
+++ b/PracticeTasks/Module2/Task_9/Task 9. Domain decomposition.pptx
@@ -7642,6 +7642,78 @@
           </a:extLst>
         </p:spPr>
       </p:pic>
+      <p:sp>
+        <p:nvSpPr>
+          <p:cNvPr id="4" name="TextBox 3">
+            <a:extLst>
+              <a:ext uri="{FF2B5EF4-FFF2-40B4-BE49-F238E27FC236}">
+                <a16:creationId xmlns:a16="http://schemas.microsoft.com/office/drawing/2014/main" id="{B1F06DF2-04E3-43ED-B7C2-7FE89CB4DA38}"/>
+              </a:ext>
+            </a:extLst>
+          </p:cNvPr>
+          <p:cNvSpPr txBox="1"/>
+          <p:nvPr/>
+        </p:nvSpPr>
+        <p:spPr>
+          <a:xfrm>
+            <a:off x="3476065" y="2407023"/>
+            <a:ext cx="1371600" cy="307777"/>
+          </a:xfrm>
+          <a:prstGeom prst="rect">
+            <a:avLst/>
+          </a:prstGeom>
+          <a:noFill/>
+        </p:spPr>
+        <p:txBody>
+          <a:bodyPr wrap="square" rtlCol="0">
+            <a:spAutoFit/>
+          </a:bodyPr>
+          <a:lstStyle/>
+          <a:p>
+            <a:r>
+              <a:rPr lang="en-US" dirty="0"/>
+              <a:t>stores</a:t>
+            </a:r>
+            <a:endParaRPr lang="ru-RU" dirty="0"/>
+          </a:p>
+        </p:txBody>
+      </p:sp>
+      <p:sp>
+        <p:nvSpPr>
+          <p:cNvPr id="5" name="TextBox 4">
+            <a:extLst>
+              <a:ext uri="{FF2B5EF4-FFF2-40B4-BE49-F238E27FC236}">
+                <a16:creationId xmlns:a16="http://schemas.microsoft.com/office/drawing/2014/main" id="{1A021BC7-5345-45C1-A80A-91BEE75893B4}"/>
+              </a:ext>
+            </a:extLst>
+          </p:cNvPr>
+          <p:cNvSpPr txBox="1"/>
+          <p:nvPr/>
+        </p:nvSpPr>
+        <p:spPr>
+          <a:xfrm>
+            <a:off x="5815853" y="2417861"/>
+            <a:ext cx="1264023" cy="307777"/>
+          </a:xfrm>
+          <a:prstGeom prst="rect">
+            <a:avLst/>
+          </a:prstGeom>
+          <a:noFill/>
+        </p:spPr>
+        <p:txBody>
+          <a:bodyPr wrap="square" rtlCol="0">
+            <a:spAutoFit/>
+          </a:bodyPr>
+          <a:lstStyle/>
+          <a:p>
+            <a:r>
+              <a:rPr lang="en-US" dirty="0"/>
+              <a:t>validates</a:t>
+            </a:r>
+            <a:endParaRPr lang="ru-RU" dirty="0"/>
+          </a:p>
+        </p:txBody>
+      </p:sp>
     </p:spTree>
     <p:extLst>
       <p:ext uri="{BB962C8B-B14F-4D97-AF65-F5344CB8AC3E}">
@@ -7828,6 +7900,150 @@
           </a:extLst>
         </p:spPr>
       </p:pic>
+      <p:sp>
+        <p:nvSpPr>
+          <p:cNvPr id="4" name="TextBox 3">
+            <a:extLst>
+              <a:ext uri="{FF2B5EF4-FFF2-40B4-BE49-F238E27FC236}">
+                <a16:creationId xmlns:a16="http://schemas.microsoft.com/office/drawing/2014/main" id="{AB4E0255-55AC-4AAF-AFA3-64E527C47084}"/>
+              </a:ext>
+            </a:extLst>
+          </p:cNvPr>
+          <p:cNvSpPr txBox="1"/>
+          <p:nvPr/>
+        </p:nvSpPr>
+        <p:spPr>
+          <a:xfrm>
+            <a:off x="5351929" y="2189992"/>
+            <a:ext cx="1163171" cy="523220"/>
+          </a:xfrm>
+          <a:prstGeom prst="rect">
+            <a:avLst/>
+          </a:prstGeom>
+          <a:noFill/>
+        </p:spPr>
+        <p:txBody>
+          <a:bodyPr wrap="square" rtlCol="0">
+            <a:spAutoFit/>
+          </a:bodyPr>
+          <a:lstStyle/>
+          <a:p>
+            <a:r>
+              <a:rPr lang="en-US" dirty="0"/>
+              <a:t>generates, stores</a:t>
+            </a:r>
+            <a:endParaRPr lang="ru-RU" dirty="0"/>
+          </a:p>
+        </p:txBody>
+      </p:sp>
+      <p:sp>
+        <p:nvSpPr>
+          <p:cNvPr id="5" name="TextBox 4">
+            <a:extLst>
+              <a:ext uri="{FF2B5EF4-FFF2-40B4-BE49-F238E27FC236}">
+                <a16:creationId xmlns:a16="http://schemas.microsoft.com/office/drawing/2014/main" id="{D6D785BA-92B7-4B4B-99CF-6D74E057DEBD}"/>
+              </a:ext>
+            </a:extLst>
+          </p:cNvPr>
+          <p:cNvSpPr txBox="1"/>
+          <p:nvPr/>
+        </p:nvSpPr>
+        <p:spPr>
+          <a:xfrm>
+            <a:off x="2897841" y="2279276"/>
+            <a:ext cx="894231" cy="307777"/>
+          </a:xfrm>
+          <a:prstGeom prst="rect">
+            <a:avLst/>
+          </a:prstGeom>
+          <a:noFill/>
+        </p:spPr>
+        <p:txBody>
+          <a:bodyPr wrap="square" rtlCol="0">
+            <a:spAutoFit/>
+          </a:bodyPr>
+          <a:lstStyle/>
+          <a:p>
+            <a:r>
+              <a:rPr lang="en-US" dirty="0"/>
+              <a:t>receives</a:t>
+            </a:r>
+            <a:endParaRPr lang="ru-RU" dirty="0"/>
+          </a:p>
+        </p:txBody>
+      </p:sp>
+      <p:sp>
+        <p:nvSpPr>
+          <p:cNvPr id="6" name="TextBox 5">
+            <a:extLst>
+              <a:ext uri="{FF2B5EF4-FFF2-40B4-BE49-F238E27FC236}">
+                <a16:creationId xmlns:a16="http://schemas.microsoft.com/office/drawing/2014/main" id="{9723B9C7-0371-420F-9A12-4CEDE329C455}"/>
+              </a:ext>
+            </a:extLst>
+          </p:cNvPr>
+          <p:cNvSpPr txBox="1"/>
+          <p:nvPr/>
+        </p:nvSpPr>
+        <p:spPr>
+          <a:xfrm>
+            <a:off x="2511238" y="3534335"/>
+            <a:ext cx="773206" cy="307777"/>
+          </a:xfrm>
+          <a:prstGeom prst="rect">
+            <a:avLst/>
+          </a:prstGeom>
+          <a:noFill/>
+        </p:spPr>
+        <p:txBody>
+          <a:bodyPr wrap="square" rtlCol="0">
+            <a:spAutoFit/>
+          </a:bodyPr>
+          <a:lstStyle/>
+          <a:p>
+            <a:r>
+              <a:rPr lang="en-US" dirty="0"/>
+              <a:t>has</a:t>
+            </a:r>
+            <a:endParaRPr lang="ru-RU" dirty="0"/>
+          </a:p>
+        </p:txBody>
+      </p:sp>
+      <p:sp>
+        <p:nvSpPr>
+          <p:cNvPr id="8" name="TextBox 7">
+            <a:extLst>
+              <a:ext uri="{FF2B5EF4-FFF2-40B4-BE49-F238E27FC236}">
+                <a16:creationId xmlns:a16="http://schemas.microsoft.com/office/drawing/2014/main" id="{FC9985EB-A13F-46E3-8A31-6EF2183C0C71}"/>
+              </a:ext>
+            </a:extLst>
+          </p:cNvPr>
+          <p:cNvSpPr txBox="1"/>
+          <p:nvPr/>
+        </p:nvSpPr>
+        <p:spPr>
+          <a:xfrm>
+            <a:off x="3933265" y="3534336"/>
+            <a:ext cx="773206" cy="307777"/>
+          </a:xfrm>
+          <a:prstGeom prst="rect">
+            <a:avLst/>
+          </a:prstGeom>
+          <a:noFill/>
+        </p:spPr>
+        <p:txBody>
+          <a:bodyPr wrap="square" rtlCol="0">
+            <a:spAutoFit/>
+          </a:bodyPr>
+          <a:lstStyle/>
+          <a:p>
+            <a:r>
+              <a:rPr lang="en-US" dirty="0"/>
+              <a:t>has</a:t>
+            </a:r>
+            <a:endParaRPr lang="ru-RU" dirty="0"/>
+          </a:p>
+        </p:txBody>
+      </p:sp>
     </p:spTree>
     <p:extLst>
       <p:ext uri="{BB962C8B-B14F-4D97-AF65-F5344CB8AC3E}">
@@ -7999,6 +8215,78 @@
           </a:extLst>
         </p:spPr>
       </p:pic>
+      <p:sp>
+        <p:nvSpPr>
+          <p:cNvPr id="5" name="TextBox 4">
+            <a:extLst>
+              <a:ext uri="{FF2B5EF4-FFF2-40B4-BE49-F238E27FC236}">
+                <a16:creationId xmlns:a16="http://schemas.microsoft.com/office/drawing/2014/main" id="{3BE779BC-8472-4C2E-8B5A-41E6B115E7D0}"/>
+              </a:ext>
+            </a:extLst>
+          </p:cNvPr>
+          <p:cNvSpPr txBox="1"/>
+          <p:nvPr/>
+        </p:nvSpPr>
+        <p:spPr>
+          <a:xfrm>
+            <a:off x="5419165" y="2454088"/>
+            <a:ext cx="1237129" cy="307777"/>
+          </a:xfrm>
+          <a:prstGeom prst="rect">
+            <a:avLst/>
+          </a:prstGeom>
+          <a:noFill/>
+        </p:spPr>
+        <p:txBody>
+          <a:bodyPr wrap="square" rtlCol="0">
+            <a:spAutoFit/>
+          </a:bodyPr>
+          <a:lstStyle/>
+          <a:p>
+            <a:r>
+              <a:rPr lang="en-US" dirty="0"/>
+              <a:t>manages</a:t>
+            </a:r>
+            <a:endParaRPr lang="ru-RU" dirty="0"/>
+          </a:p>
+        </p:txBody>
+      </p:sp>
+      <p:sp>
+        <p:nvSpPr>
+          <p:cNvPr id="6" name="TextBox 5">
+            <a:extLst>
+              <a:ext uri="{FF2B5EF4-FFF2-40B4-BE49-F238E27FC236}">
+                <a16:creationId xmlns:a16="http://schemas.microsoft.com/office/drawing/2014/main" id="{EB116B24-F391-448C-98E1-8F8032456923}"/>
+              </a:ext>
+            </a:extLst>
+          </p:cNvPr>
+          <p:cNvSpPr txBox="1"/>
+          <p:nvPr/>
+        </p:nvSpPr>
+        <p:spPr>
+          <a:xfrm>
+            <a:off x="3052482" y="2454088"/>
+            <a:ext cx="914400" cy="307777"/>
+          </a:xfrm>
+          <a:prstGeom prst="rect">
+            <a:avLst/>
+          </a:prstGeom>
+          <a:noFill/>
+        </p:spPr>
+        <p:txBody>
+          <a:bodyPr wrap="square" rtlCol="0">
+            <a:spAutoFit/>
+          </a:bodyPr>
+          <a:lstStyle/>
+          <a:p>
+            <a:r>
+              <a:rPr lang="en-US" dirty="0"/>
+              <a:t>creates</a:t>
+            </a:r>
+            <a:endParaRPr lang="ru-RU" dirty="0"/>
+          </a:p>
+        </p:txBody>
+      </p:sp>
     </p:spTree>
     <p:extLst>
       <p:ext uri="{BB962C8B-B14F-4D97-AF65-F5344CB8AC3E}">
@@ -8153,7 +8441,7 @@
         </p:blipFill>
         <p:spPr bwMode="auto">
           <a:xfrm>
-            <a:off x="3007110" y="790642"/>
+            <a:off x="3007110" y="939007"/>
             <a:ext cx="2949574" cy="3724210"/>
           </a:xfrm>
           <a:prstGeom prst="rect">
@@ -8171,6 +8459,84 @@
           </a:extLst>
         </p:spPr>
       </p:pic>
+      <p:sp>
+        <p:nvSpPr>
+          <p:cNvPr id="4" name="TextBox 3">
+            <a:extLst>
+              <a:ext uri="{FF2B5EF4-FFF2-40B4-BE49-F238E27FC236}">
+                <a16:creationId xmlns:a16="http://schemas.microsoft.com/office/drawing/2014/main" id="{366A3458-FCE6-4C7C-B6B8-B139F3F6DB52}"/>
+              </a:ext>
+            </a:extLst>
+          </p:cNvPr>
+          <p:cNvSpPr txBox="1"/>
+          <p:nvPr/>
+        </p:nvSpPr>
+        <p:spPr>
+          <a:xfrm>
+            <a:off x="4572000" y="1940954"/>
+            <a:ext cx="1384684" cy="307777"/>
+          </a:xfrm>
+          <a:prstGeom prst="rect">
+            <a:avLst/>
+          </a:prstGeom>
+          <a:noFill/>
+        </p:spPr>
+        <p:txBody>
+          <a:bodyPr wrap="square" rtlCol="0">
+            <a:spAutoFit/>
+          </a:bodyPr>
+          <a:lstStyle/>
+          <a:p>
+            <a:r>
+              <a:rPr lang="en-US" dirty="0"/>
+              <a:t>authenticates</a:t>
+            </a:r>
+            <a:endParaRPr lang="ru-RU" dirty="0"/>
+          </a:p>
+        </p:txBody>
+      </p:sp>
+      <p:sp>
+        <p:nvSpPr>
+          <p:cNvPr id="6" name="TextBox 5">
+            <a:extLst>
+              <a:ext uri="{FF2B5EF4-FFF2-40B4-BE49-F238E27FC236}">
+                <a16:creationId xmlns:a16="http://schemas.microsoft.com/office/drawing/2014/main" id="{E4374B94-6CCF-4A5C-BD43-0978840EAFDF}"/>
+              </a:ext>
+            </a:extLst>
+          </p:cNvPr>
+          <p:cNvSpPr txBox="1"/>
+          <p:nvPr/>
+        </p:nvSpPr>
+        <p:spPr>
+          <a:xfrm>
+            <a:off x="4572000" y="3237772"/>
+            <a:ext cx="1384684" cy="523220"/>
+          </a:xfrm>
+          <a:prstGeom prst="rect">
+            <a:avLst/>
+          </a:prstGeom>
+          <a:noFill/>
+        </p:spPr>
+        <p:txBody>
+          <a:bodyPr wrap="square" rtlCol="0">
+            <a:spAutoFit/>
+          </a:bodyPr>
+          <a:lstStyle/>
+          <a:p>
+            <a:r>
+              <a:rPr lang="en-US" dirty="0"/>
+              <a:t>validates,</a:t>
+            </a:r>
+          </a:p>
+          <a:p>
+            <a:r>
+              <a:rPr lang="en-US" dirty="0"/>
+              <a:t>stores</a:t>
+            </a:r>
+            <a:endParaRPr lang="ru-RU" dirty="0"/>
+          </a:p>
+        </p:txBody>
+      </p:sp>
     </p:spTree>
     <p:extLst>
       <p:ext uri="{BB962C8B-B14F-4D97-AF65-F5344CB8AC3E}">

--- a/PracticeTasks/Module2/Task_9/Task 9. Domain decomposition.pptx
+++ b/PracticeTasks/Module2/Task_9/Task 9. Domain decomposition.pptx
@@ -7603,117 +7603,138 @@
           </a:p>
         </p:txBody>
       </p:sp>
-      <p:pic>
-        <p:nvPicPr>
-          <p:cNvPr id="3" name="Picture 2">
+      <p:grpSp>
+        <p:nvGrpSpPr>
+          <p:cNvPr id="6" name="Группа 5">
             <a:extLst>
               <a:ext uri="{FF2B5EF4-FFF2-40B4-BE49-F238E27FC236}">
-                <a16:creationId xmlns:a16="http://schemas.microsoft.com/office/drawing/2014/main" id="{9D06CEFF-A3C6-485D-9352-27590F4CA803}"/>
+                <a16:creationId xmlns:a16="http://schemas.microsoft.com/office/drawing/2014/main" id="{7D4F3409-2782-4867-855E-6C254F2A7C50}"/>
               </a:ext>
             </a:extLst>
           </p:cNvPr>
-          <p:cNvPicPr>
-            <a:picLocks noChangeAspect="1" noChangeArrowheads="1"/>
-          </p:cNvPicPr>
+          <p:cNvGrpSpPr/>
           <p:nvPr/>
-        </p:nvPicPr>
-        <p:blipFill>
-          <a:blip r:embed="rId3"/>
-          <a:srcRect/>
-          <a:stretch/>
-        </p:blipFill>
-        <p:spPr bwMode="auto">
+        </p:nvGrpSpPr>
+        <p:grpSpPr>
           <a:xfrm>
             <a:off x="1533096" y="1141379"/>
             <a:ext cx="6182111" cy="2905327"/>
+            <a:chOff x="1533096" y="1141379"/>
+            <a:chExt cx="6182111" cy="2905327"/>
           </a:xfrm>
-          <a:prstGeom prst="rect">
-            <a:avLst/>
-          </a:prstGeom>
-          <a:noFill/>
-          <a:extLst>
-            <a:ext uri="{909E8E84-426E-40DD-AFC4-6F175D3DCCD1}">
-              <a14:hiddenFill xmlns:a14="http://schemas.microsoft.com/office/drawing/2010/main">
-                <a:solidFill>
-                  <a:srgbClr val="FFFFFF"/>
-                </a:solidFill>
-              </a14:hiddenFill>
-            </a:ext>
-          </a:extLst>
-        </p:spPr>
-      </p:pic>
-      <p:sp>
-        <p:nvSpPr>
-          <p:cNvPr id="4" name="TextBox 3">
+        </p:grpSpPr>
+        <p:pic>
+          <p:nvPicPr>
+            <p:cNvPr id="3" name="Picture 2">
+              <a:extLst>
+                <a:ext uri="{FF2B5EF4-FFF2-40B4-BE49-F238E27FC236}">
+                  <a16:creationId xmlns:a16="http://schemas.microsoft.com/office/drawing/2014/main" id="{9D06CEFF-A3C6-485D-9352-27590F4CA803}"/>
+                </a:ext>
+              </a:extLst>
+            </p:cNvPr>
+            <p:cNvPicPr>
+              <a:picLocks noChangeAspect="1" noChangeArrowheads="1"/>
+            </p:cNvPicPr>
+            <p:nvPr/>
+          </p:nvPicPr>
+          <p:blipFill>
+            <a:blip r:embed="rId3"/>
+            <a:srcRect/>
+            <a:stretch/>
+          </p:blipFill>
+          <p:spPr bwMode="auto">
+            <a:xfrm>
+              <a:off x="1533096" y="1141379"/>
+              <a:ext cx="6182111" cy="2905327"/>
+            </a:xfrm>
+            <a:prstGeom prst="rect">
+              <a:avLst/>
+            </a:prstGeom>
+            <a:noFill/>
             <a:extLst>
-              <a:ext uri="{FF2B5EF4-FFF2-40B4-BE49-F238E27FC236}">
-                <a16:creationId xmlns:a16="http://schemas.microsoft.com/office/drawing/2014/main" id="{B1F06DF2-04E3-43ED-B7C2-7FE89CB4DA38}"/>
+              <a:ext uri="{909E8E84-426E-40DD-AFC4-6F175D3DCCD1}">
+                <a14:hiddenFill xmlns:a14="http://schemas.microsoft.com/office/drawing/2010/main">
+                  <a:solidFill>
+                    <a:srgbClr val="FFFFFF"/>
+                  </a:solidFill>
+                </a14:hiddenFill>
               </a:ext>
             </a:extLst>
-          </p:cNvPr>
-          <p:cNvSpPr txBox="1"/>
-          <p:nvPr/>
-        </p:nvSpPr>
-        <p:spPr>
-          <a:xfrm>
-            <a:off x="3476065" y="2407023"/>
-            <a:ext cx="1371600" cy="307777"/>
-          </a:xfrm>
-          <a:prstGeom prst="rect">
-            <a:avLst/>
-          </a:prstGeom>
-          <a:noFill/>
-        </p:spPr>
-        <p:txBody>
-          <a:bodyPr wrap="square" rtlCol="0">
-            <a:spAutoFit/>
-          </a:bodyPr>
-          <a:lstStyle/>
-          <a:p>
-            <a:r>
-              <a:rPr lang="en-US" dirty="0"/>
-              <a:t>stores</a:t>
-            </a:r>
-            <a:endParaRPr lang="ru-RU" dirty="0"/>
-          </a:p>
-        </p:txBody>
-      </p:sp>
-      <p:sp>
-        <p:nvSpPr>
-          <p:cNvPr id="5" name="TextBox 4">
-            <a:extLst>
-              <a:ext uri="{FF2B5EF4-FFF2-40B4-BE49-F238E27FC236}">
-                <a16:creationId xmlns:a16="http://schemas.microsoft.com/office/drawing/2014/main" id="{1A021BC7-5345-45C1-A80A-91BEE75893B4}"/>
-              </a:ext>
-            </a:extLst>
-          </p:cNvPr>
-          <p:cNvSpPr txBox="1"/>
-          <p:nvPr/>
-        </p:nvSpPr>
-        <p:spPr>
-          <a:xfrm>
-            <a:off x="5815853" y="2417861"/>
-            <a:ext cx="1264023" cy="307777"/>
-          </a:xfrm>
-          <a:prstGeom prst="rect">
-            <a:avLst/>
-          </a:prstGeom>
-          <a:noFill/>
-        </p:spPr>
-        <p:txBody>
-          <a:bodyPr wrap="square" rtlCol="0">
-            <a:spAutoFit/>
-          </a:bodyPr>
-          <a:lstStyle/>
-          <a:p>
-            <a:r>
-              <a:rPr lang="en-US" dirty="0"/>
-              <a:t>validates</a:t>
-            </a:r>
-            <a:endParaRPr lang="ru-RU" dirty="0"/>
-          </a:p>
-        </p:txBody>
-      </p:sp>
+          </p:spPr>
+        </p:pic>
+        <p:sp>
+          <p:nvSpPr>
+            <p:cNvPr id="4" name="TextBox 3">
+              <a:extLst>
+                <a:ext uri="{FF2B5EF4-FFF2-40B4-BE49-F238E27FC236}">
+                  <a16:creationId xmlns:a16="http://schemas.microsoft.com/office/drawing/2014/main" id="{B1F06DF2-04E3-43ED-B7C2-7FE89CB4DA38}"/>
+                </a:ext>
+              </a:extLst>
+            </p:cNvPr>
+            <p:cNvSpPr txBox="1"/>
+            <p:nvPr/>
+          </p:nvSpPr>
+          <p:spPr>
+            <a:xfrm>
+              <a:off x="3476065" y="2407023"/>
+              <a:ext cx="1371600" cy="307777"/>
+            </a:xfrm>
+            <a:prstGeom prst="rect">
+              <a:avLst/>
+            </a:prstGeom>
+            <a:noFill/>
+          </p:spPr>
+          <p:txBody>
+            <a:bodyPr wrap="square" rtlCol="0">
+              <a:spAutoFit/>
+            </a:bodyPr>
+            <a:lstStyle/>
+            <a:p>
+              <a:r>
+                <a:rPr lang="en-US" dirty="0"/>
+                <a:t>stores</a:t>
+              </a:r>
+              <a:endParaRPr lang="ru-RU" dirty="0"/>
+            </a:p>
+          </p:txBody>
+        </p:sp>
+        <p:sp>
+          <p:nvSpPr>
+            <p:cNvPr id="5" name="TextBox 4">
+              <a:extLst>
+                <a:ext uri="{FF2B5EF4-FFF2-40B4-BE49-F238E27FC236}">
+                  <a16:creationId xmlns:a16="http://schemas.microsoft.com/office/drawing/2014/main" id="{1A021BC7-5345-45C1-A80A-91BEE75893B4}"/>
+                </a:ext>
+              </a:extLst>
+            </p:cNvPr>
+            <p:cNvSpPr txBox="1"/>
+            <p:nvPr/>
+          </p:nvSpPr>
+          <p:spPr>
+            <a:xfrm>
+              <a:off x="5815853" y="2417861"/>
+              <a:ext cx="1264023" cy="307777"/>
+            </a:xfrm>
+            <a:prstGeom prst="rect">
+              <a:avLst/>
+            </a:prstGeom>
+            <a:noFill/>
+          </p:spPr>
+          <p:txBody>
+            <a:bodyPr wrap="square" rtlCol="0">
+              <a:spAutoFit/>
+            </a:bodyPr>
+            <a:lstStyle/>
+            <a:p>
+              <a:r>
+                <a:rPr lang="en-US" dirty="0"/>
+                <a:t>validates</a:t>
+              </a:r>
+              <a:endParaRPr lang="ru-RU" dirty="0"/>
+            </a:p>
+          </p:txBody>
+        </p:sp>
+      </p:grpSp>
     </p:spTree>
     <p:extLst>
       <p:ext uri="{BB962C8B-B14F-4D97-AF65-F5344CB8AC3E}">

--- a/PracticeTasks/Module2/Task_9/Task 9. Domain decomposition.pptx
+++ b/PracticeTasks/Module2/Task_9/Task 9. Domain decomposition.pptx
@@ -6513,10 +6513,37 @@
               <a:buNone/>
             </a:pPr>
             <a:r>
-              <a:rPr lang="en-GB"/>
+              <a:rPr lang="en-GB" dirty="0"/>
               <a:t>Resources and microservices</a:t>
             </a:r>
-            <a:endParaRPr/>
+          </a:p>
+          <a:p>
+            <a:pPr marL="0" lvl="0" indent="0" algn="ctr" rtl="0">
+              <a:spcBef>
+                <a:spcPts val="0"/>
+              </a:spcBef>
+              <a:spcAft>
+                <a:spcPts val="0"/>
+              </a:spcAft>
+              <a:buNone/>
+            </a:pPr>
+            <a:r>
+              <a:rPr lang="en-GB" sz="2800" dirty="0" err="1">
+                <a:solidFill>
+                  <a:schemeClr val="dk1"/>
+                </a:solidFill>
+              </a:rPr>
+              <a:t>Smolkin</a:t>
+            </a:r>
+            <a:r>
+              <a:rPr lang="en-GB" sz="2800" dirty="0">
+                <a:solidFill>
+                  <a:schemeClr val="dk1"/>
+                </a:solidFill>
+              </a:rPr>
+              <a:t> Mikhail</a:t>
+            </a:r>
+            <a:endParaRPr dirty="0"/>
           </a:p>
         </p:txBody>
       </p:sp>
@@ -6697,39 +6724,7 @@
                   <a:schemeClr val="dk1"/>
                 </a:solidFill>
               </a:rPr>
-              <a:t> Daniel; </a:t>
-            </a:r>
-            <a:r>
-              <a:rPr lang="en-GB" sz="1400" dirty="0" err="1">
-                <a:solidFill>
-                  <a:schemeClr val="dk1"/>
-                </a:solidFill>
-              </a:rPr>
-              <a:t>Dandamaev</a:t>
-            </a:r>
-            <a:r>
-              <a:rPr lang="en-GB" sz="1400" dirty="0">
-                <a:solidFill>
-                  <a:schemeClr val="dk1"/>
-                </a:solidFill>
-              </a:rPr>
-              <a:t> </a:t>
-            </a:r>
-            <a:r>
-              <a:rPr lang="en-GB" sz="1400" dirty="0" err="1">
-                <a:solidFill>
-                  <a:schemeClr val="dk1"/>
-                </a:solidFill>
-              </a:rPr>
-              <a:t>Gadji</a:t>
-            </a:r>
-            <a:r>
-              <a:rPr lang="en-GB" sz="1400" dirty="0">
-                <a:solidFill>
-                  <a:schemeClr val="dk1"/>
-                </a:solidFill>
-              </a:rPr>
-              <a:t>; Tsaturyan Konstantin; </a:t>
+              <a:t> Daniel; Dandamaev Gadji; Tsaturyan Konstantin; </a:t>
             </a:r>
             <a:r>
               <a:rPr lang="en-GB" sz="1400" dirty="0" err="1">

--- a/PracticeTasks/Module2/Task_9/Task 9. Domain decomposition.pptx
+++ b/PracticeTasks/Module2/Task_9/Task 9. Domain decomposition.pptx
@@ -6527,8 +6527,56 @@
               </a:spcAft>
               <a:buNone/>
             </a:pPr>
+            <a:endParaRPr dirty="0"/>
+          </a:p>
+        </p:txBody>
+      </p:sp>
+      <p:sp>
+        <p:nvSpPr>
+          <p:cNvPr id="2" name="TextBox 1">
+            <a:extLst>
+              <a:ext uri="{FF2B5EF4-FFF2-40B4-BE49-F238E27FC236}">
+                <a16:creationId xmlns:a16="http://schemas.microsoft.com/office/drawing/2014/main" id="{BCD20AAA-E16B-F51D-BF7C-5D00007D96DF}"/>
+              </a:ext>
+            </a:extLst>
+          </p:cNvPr>
+          <p:cNvSpPr txBox="1"/>
+          <p:nvPr/>
+        </p:nvSpPr>
+        <p:spPr>
+          <a:xfrm>
+            <a:off x="5957795" y="4562725"/>
+            <a:ext cx="2874505" cy="307777"/>
+          </a:xfrm>
+          <a:prstGeom prst="rect">
+            <a:avLst/>
+          </a:prstGeom>
+          <a:noFill/>
+        </p:spPr>
+        <p:txBody>
+          <a:bodyPr wrap="none" rtlCol="0">
+            <a:spAutoFit/>
+          </a:bodyPr>
+          <a:lstStyle/>
+          <a:p>
             <a:r>
-              <a:rPr lang="en-GB" sz="2800" dirty="0" err="1">
+              <a:rPr lang="en-GB" sz="1400" dirty="0">
+                <a:solidFill>
+                  <a:schemeClr val="dk1"/>
+                </a:solidFill>
+              </a:rPr>
+              <a:t>K8S access user</a:t>
+            </a:r>
+            <a:r>
+              <a:rPr lang="ru-RU" sz="1400" dirty="0">
+                <a:solidFill>
+                  <a:schemeClr val="dk1"/>
+                </a:solidFill>
+              </a:rPr>
+              <a:t>: </a:t>
+            </a:r>
+            <a:r>
+              <a:rPr lang="en-GB" sz="1400" dirty="0" err="1">
                 <a:solidFill>
                   <a:schemeClr val="dk1"/>
                 </a:solidFill>
@@ -6536,14 +6584,14 @@
               <a:t>Smolkin</a:t>
             </a:r>
             <a:r>
-              <a:rPr lang="en-GB" sz="2800" dirty="0">
+              <a:rPr lang="en-GB" sz="1400" dirty="0">
                 <a:solidFill>
                   <a:schemeClr val="dk1"/>
                 </a:solidFill>
               </a:rPr>
               <a:t> Mikhail</a:t>
             </a:r>
-            <a:endParaRPr dirty="0"/>
+            <a:endParaRPr lang="ru-RU" dirty="0"/>
           </a:p>
         </p:txBody>
       </p:sp>
